--- a/DevOpsPipeline.pptx
+++ b/DevOpsPipeline.pptx
@@ -1238,7 +1238,7 @@
           <a:p>
             <a:fld id="{8B5CD52A-7268-45DE-ADF6-24ADD644C9E4}" type="datetimeFigureOut">
               <a:rPr lang="en-US" smtClean="0"/>
-              <a:t>20-Oct-20</a:t>
+              <a:t>21-Oct-20</a:t>
             </a:fld>
             <a:endParaRPr lang="en-US"/>
           </a:p>
@@ -1660,7 +1660,7 @@
           <a:p>
             <a:fld id="{B3415746-CD64-44EB-AC89-D04E00E456F2}" type="datetimeFigureOut">
               <a:rPr lang="en-US" smtClean="0"/>
-              <a:t>20-Oct-20</a:t>
+              <a:t>21-Oct-20</a:t>
             </a:fld>
             <a:endParaRPr lang="en-US"/>
           </a:p>
@@ -1822,7 +1822,7 @@
           <a:p>
             <a:fld id="{E1C9454B-81BA-4071-9AB1-68A2197C4B7B}" type="datetimeFigureOut">
               <a:rPr lang="en-US" smtClean="0"/>
-              <a:t>20-Oct-20</a:t>
+              <a:t>21-Oct-20</a:t>
             </a:fld>
             <a:endParaRPr lang="en-US"/>
           </a:p>
@@ -2113,7 +2113,7 @@
           <a:p>
             <a:fld id="{4E9624AA-E605-458E-A9D9-E19EB56766A4}" type="datetimeFigureOut">
               <a:rPr lang="en-US" smtClean="0"/>
-              <a:t>20-Oct-20</a:t>
+              <a:t>21-Oct-20</a:t>
             </a:fld>
             <a:endParaRPr lang="en-US"/>
           </a:p>
@@ -2533,7 +2533,7 @@
           <a:p>
             <a:fld id="{B76C4428-1827-4FE7-9810-48D415F090F7}" type="datetimeFigureOut">
               <a:rPr lang="en-US" smtClean="0"/>
-              <a:t>20-Oct-20</a:t>
+              <a:t>21-Oct-20</a:t>
             </a:fld>
             <a:endParaRPr lang="en-US"/>
           </a:p>
@@ -3082,7 +3082,7 @@
           <a:p>
             <a:fld id="{4185D4B6-903C-4D8D-9E3F-4A932D010FFB}" type="datetimeFigureOut">
               <a:rPr lang="en-US" smtClean="0"/>
-              <a:t>20-Oct-20</a:t>
+              <a:t>21-Oct-20</a:t>
             </a:fld>
             <a:endParaRPr lang="en-US"/>
           </a:p>
@@ -3373,7 +3373,7 @@
           <a:p>
             <a:fld id="{C11D0335-0CDE-43BF-BC04-4A2484BCCD93}" type="datetimeFigureOut">
               <a:rPr lang="en-US" smtClean="0"/>
-              <a:t>20-Oct-20</a:t>
+              <a:t>21-Oct-20</a:t>
             </a:fld>
             <a:endParaRPr lang="en-US"/>
           </a:p>
@@ -3793,7 +3793,7 @@
           <a:p>
             <a:fld id="{B3D9A451-0200-49FE-BA73-76A95404E077}" type="datetimeFigureOut">
               <a:rPr lang="en-US" smtClean="0"/>
-              <a:t>20-Oct-20</a:t>
+              <a:t>21-Oct-20</a:t>
             </a:fld>
             <a:endParaRPr lang="en-US"/>
           </a:p>
@@ -4084,7 +4084,7 @@
           <a:p>
             <a:fld id="{BFD5BE44-088C-4DAC-9936-6E66EBD74EB8}" type="datetimeFigureOut">
               <a:rPr lang="en-US" smtClean="0"/>
-              <a:t>20-Oct-20</a:t>
+              <a:t>21-Oct-20</a:t>
             </a:fld>
             <a:endParaRPr lang="en-US"/>
           </a:p>
@@ -4700,7 +4700,7 @@
           <a:p>
             <a:fld id="{58F81EBB-4EE8-4959-B2B9-92A34BABF857}" type="datetimeFigureOut">
               <a:rPr lang="en-US" smtClean="0"/>
-              <a:t>20-Oct-20</a:t>
+              <a:t>21-Oct-20</a:t>
             </a:fld>
             <a:endParaRPr lang="en-US"/>
           </a:p>
@@ -4906,7 +4906,7 @@
           <a:p>
             <a:fld id="{B3A2E5EA-B6C5-49BF-894E-B532BC3BB72E}" type="datetimeFigureOut">
               <a:rPr lang="en-US" smtClean="0"/>
-              <a:t>20-Oct-20</a:t>
+              <a:t>21-Oct-20</a:t>
             </a:fld>
             <a:endParaRPr lang="en-US"/>
           </a:p>
@@ -5555,7 +5555,7 @@
           <a:p>
             <a:fld id="{6EE7C2D1-CEDE-4417-B931-7E2A3548D260}" type="datetimeFigureOut">
               <a:rPr lang="en-US" smtClean="0"/>
-              <a:t>20-Oct-20</a:t>
+              <a:t>21-Oct-20</a:t>
             </a:fld>
             <a:endParaRPr lang="en-US"/>
           </a:p>
@@ -6317,7 +6317,19 @@
             <a:pPr lvl="0" algn="ctr"/>
             <a:r>
               <a:rPr lang="en-US" sz="1000" dirty="0"/>
-              <a:t>AMI or container image scanning</a:t>
+              <a:t>AMI or container image </a:t>
+            </a:r>
+            <a:r>
+              <a:rPr lang="en-US" sz="1000" dirty="0"/>
+              <a:t>scanning (</a:t>
+            </a:r>
+            <a:r>
+              <a:rPr lang="en-US" sz="1000" dirty="0" err="1" smtClean="0"/>
+              <a:t>Anchore</a:t>
+            </a:r>
+            <a:r>
+              <a:rPr lang="en-US" sz="1000" dirty="0" smtClean="0"/>
+              <a:t>)</a:t>
             </a:r>
             <a:endParaRPr sz="1000" dirty="0"/>
           </a:p>
@@ -6626,15 +6638,7 @@
           </a:bodyPr>
           <a:lstStyle/>
           <a:p>
-            <a:pPr marL="0" lvl="0" indent="0" algn="ctr" rtl="0">
-              <a:spcBef>
-                <a:spcPts val="0"/>
-              </a:spcBef>
-              <a:spcAft>
-                <a:spcPts val="0"/>
-              </a:spcAft>
-              <a:buNone/>
-            </a:pPr>
+            <a:pPr lvl="0" algn="ctr"/>
             <a:r>
               <a:rPr lang="en" sz="1000" dirty="0"/>
               <a:t>Infrastructure </a:t>
@@ -6645,7 +6649,15 @@
             </a:r>
             <a:r>
               <a:rPr lang="en" sz="1000" dirty="0" smtClean="0"/>
-              <a:t>scanning</a:t>
+              <a:t>scanning (</a:t>
+            </a:r>
+            <a:r>
+              <a:rPr lang="en-US" sz="1000" dirty="0" err="1" smtClean="0"/>
+              <a:t>CFRipper</a:t>
+            </a:r>
+            <a:r>
+              <a:rPr lang="en-US" sz="1000" dirty="0" smtClean="0"/>
+              <a:t>)</a:t>
             </a:r>
             <a:endParaRPr sz="1000" dirty="0"/>
           </a:p>
@@ -6755,7 +6767,6 @@
               <a:rPr lang="en-US" sz="1000" dirty="0"/>
               <a:t>Build application container or OS image</a:t>
             </a:r>
-            <a:endParaRPr lang="en-US" sz="1000" dirty="0"/>
           </a:p>
         </p:txBody>
       </p:sp>
@@ -6840,7 +6851,7 @@
         <p:spPr>
           <a:xfrm>
             <a:off x="6805163" y="3384650"/>
-            <a:ext cx="1666512" cy="400110"/>
+            <a:ext cx="1666512" cy="553998"/>
           </a:xfrm>
           <a:prstGeom prst="rect">
             <a:avLst/>
@@ -6857,7 +6868,19 @@
           <a:p>
             <a:r>
               <a:rPr lang="en-US" sz="1000" dirty="0"/>
-              <a:t>Post-deployment compliance scanning</a:t>
+              <a:t>Post-deployment compliance </a:t>
+            </a:r>
+            <a:r>
+              <a:rPr lang="en-US" sz="1000" dirty="0"/>
+              <a:t>scanning (AWS </a:t>
+            </a:r>
+            <a:r>
+              <a:rPr lang="en-US" sz="1000" dirty="0" err="1" smtClean="0"/>
+              <a:t>Config</a:t>
+            </a:r>
+            <a:r>
+              <a:rPr lang="en-US" sz="1000" dirty="0" smtClean="0"/>
+              <a:t>)</a:t>
             </a:r>
             <a:endParaRPr lang="en-US" sz="1000" dirty="0"/>
           </a:p>
